--- a/test/bootstrap_to_pptx/v2/consulting_slide.pptx
+++ b/test/bootstrap_to_pptx/v2/consulting_slide.pptx
@@ -5,9 +5,9 @@
     <p:sldMasterId id="2147483648" r:id="rId1"/>
   </p:sldMasterIdLst>
   <p:sldIdLst>
-    <p:sldId id="256" r:id="rId2"/>
+    <p:sldId id="256" r:id="rId7"/>
   </p:sldIdLst>
-  <p:sldSz cx="12192000" cy="6858000"/>
+  <p:sldSz cx="12191695" cy="6858000" type="screen4x3"/>
   <p:notesSz cx="6858000" cy="9144000"/>
   <p:defaultTextStyle>
     <a:defPPr>
@@ -104,22 +104,6 @@
       </a:defRPr>
     </a:lvl9pPr>
   </p:defaultTextStyle>
-  <p:extLst>
-    <p:ext uri="{EFAFB233-063F-42B5-8137-9DF3F51BA10A}">
-      <p15:sldGuideLst xmlns:p15="http://schemas.microsoft.com/office/powerpoint/2012/main">
-        <p15:guide id="1" orient="horz" pos="2160">
-          <p15:clr>
-            <a:srgbClr val="A4A3A4"/>
-          </p15:clr>
-        </p15:guide>
-        <p15:guide id="2" pos="2880">
-          <p15:clr>
-            <a:srgbClr val="A4A3A4"/>
-          </p15:clr>
-        </p15:guide>
-      </p15:sldGuideLst>
-    </p:ext>
-  </p:extLst>
 </p:presentation>
 </file>
 
@@ -304,7 +288,7 @@
           <a:p>
             <a:fld id="{5BCAD085-E8A6-8845-BD4E-CB4CCA059FC4}" type="datetimeFigureOut">
               <a:rPr lang="en-US" smtClean="0"/>
-              <a:t>8/10/2025</a:t>
+              <a:t>1/27/13</a:t>
             </a:fld>
             <a:endParaRPr lang="en-US"/>
           </a:p>
@@ -474,7 +458,7 @@
           <a:p>
             <a:fld id="{5BCAD085-E8A6-8845-BD4E-CB4CCA059FC4}" type="datetimeFigureOut">
               <a:rPr lang="en-US" smtClean="0"/>
-              <a:t>8/10/2025</a:t>
+              <a:t>1/27/13</a:t>
             </a:fld>
             <a:endParaRPr lang="en-US"/>
           </a:p>
@@ -654,7 +638,7 @@
           <a:p>
             <a:fld id="{5BCAD085-E8A6-8845-BD4E-CB4CCA059FC4}" type="datetimeFigureOut">
               <a:rPr lang="en-US" smtClean="0"/>
-              <a:t>8/10/2025</a:t>
+              <a:t>1/27/13</a:t>
             </a:fld>
             <a:endParaRPr lang="en-US"/>
           </a:p>
@@ -824,7 +808,7 @@
           <a:p>
             <a:fld id="{5BCAD085-E8A6-8845-BD4E-CB4CCA059FC4}" type="datetimeFigureOut">
               <a:rPr lang="en-US" smtClean="0"/>
-              <a:t>8/10/2025</a:t>
+              <a:t>1/27/13</a:t>
             </a:fld>
             <a:endParaRPr lang="en-US"/>
           </a:p>
@@ -1070,7 +1054,7 @@
           <a:p>
             <a:fld id="{5BCAD085-E8A6-8845-BD4E-CB4CCA059FC4}" type="datetimeFigureOut">
               <a:rPr lang="en-US" smtClean="0"/>
-              <a:t>8/10/2025</a:t>
+              <a:t>1/27/13</a:t>
             </a:fld>
             <a:endParaRPr lang="en-US"/>
           </a:p>
@@ -1358,7 +1342,7 @@
           <a:p>
             <a:fld id="{5BCAD085-E8A6-8845-BD4E-CB4CCA059FC4}" type="datetimeFigureOut">
               <a:rPr lang="en-US" smtClean="0"/>
-              <a:t>8/10/2025</a:t>
+              <a:t>1/27/13</a:t>
             </a:fld>
             <a:endParaRPr lang="en-US"/>
           </a:p>
@@ -1780,7 +1764,7 @@
           <a:p>
             <a:fld id="{5BCAD085-E8A6-8845-BD4E-CB4CCA059FC4}" type="datetimeFigureOut">
               <a:rPr lang="en-US" smtClean="0"/>
-              <a:t>8/10/2025</a:t>
+              <a:t>1/27/13</a:t>
             </a:fld>
             <a:endParaRPr lang="en-US"/>
           </a:p>
@@ -1898,7 +1882,7 @@
           <a:p>
             <a:fld id="{5BCAD085-E8A6-8845-BD4E-CB4CCA059FC4}" type="datetimeFigureOut">
               <a:rPr lang="en-US" smtClean="0"/>
-              <a:t>8/10/2025</a:t>
+              <a:t>1/27/13</a:t>
             </a:fld>
             <a:endParaRPr lang="en-US"/>
           </a:p>
@@ -1993,7 +1977,7 @@
           <a:p>
             <a:fld id="{5BCAD085-E8A6-8845-BD4E-CB4CCA059FC4}" type="datetimeFigureOut">
               <a:rPr lang="en-US" smtClean="0"/>
-              <a:t>8/10/2025</a:t>
+              <a:t>1/27/13</a:t>
             </a:fld>
             <a:endParaRPr lang="en-US"/>
           </a:p>
@@ -2270,7 +2254,7 @@
           <a:p>
             <a:fld id="{5BCAD085-E8A6-8845-BD4E-CB4CCA059FC4}" type="datetimeFigureOut">
               <a:rPr lang="en-US" smtClean="0"/>
-              <a:t>8/10/2025</a:t>
+              <a:t>1/27/13</a:t>
             </a:fld>
             <a:endParaRPr lang="en-US"/>
           </a:p>
@@ -2523,7 +2507,7 @@
           <a:p>
             <a:fld id="{5BCAD085-E8A6-8845-BD4E-CB4CCA059FC4}" type="datetimeFigureOut">
               <a:rPr lang="en-US" smtClean="0"/>
-              <a:t>8/10/2025</a:t>
+              <a:t>1/27/13</a:t>
             </a:fld>
             <a:endParaRPr lang="en-US"/>
           </a:p>
@@ -2736,7 +2720,7 @@
           <a:p>
             <a:fld id="{5BCAD085-E8A6-8845-BD4E-CB4CCA059FC4}" type="datetimeFigureOut">
               <a:rPr lang="en-US" smtClean="0"/>
-              <a:t>8/10/2025</a:t>
+              <a:t>1/27/13</a:t>
             </a:fld>
             <a:endParaRPr lang="en-US"/>
           </a:p>
@@ -3095,7 +3079,7 @@
 </file>
 
 <file path=ppt/slides/slide1.xml><?xml version="1.0" encoding="utf-8"?>
-<p:sld xmlns:a="http://schemas.openxmlformats.org/drawingml/2006/main" xmlns:r="http://schemas.openxmlformats.org/officeDocument/2006/relationships" xmlns:p="http://schemas.openxmlformats.org/presentationml/2006/main">
+<p:sld xmlns:a="http://schemas.openxmlformats.org/drawingml/2006/main" xmlns:p="http://schemas.openxmlformats.org/presentationml/2006/main" xmlns:r="http://schemas.openxmlformats.org/officeDocument/2006/relationships">
   <p:cSld>
     <p:spTree>
       <p:nvGrpSpPr>
@@ -3103,34 +3087,102 @@
         <p:cNvGrpSpPr/>
         <p:nvPr/>
       </p:nvGrpSpPr>
-      <p:grpSpPr>
-        <a:xfrm>
-          <a:off x="0" y="0"/>
-          <a:ext cx="0" cy="0"/>
-          <a:chOff x="0" y="0"/>
-          <a:chExt cx="0" cy="0"/>
-        </a:xfrm>
-      </p:grpSpPr>
-      <p:sp>
-        <p:nvSpPr>
-          <p:cNvPr id="2" name="DECOR_DIAGONAL"/>
-          <p:cNvSpPr/>
+      <p:grpSpPr/>
+      <p:sp>
+        <p:nvSpPr>
+          <p:cNvPr id="2" name="TITLE"/>
+          <p:cNvSpPr txBox="1"/>
           <p:nvPr/>
         </p:nvSpPr>
         <p:spPr>
-          <a:xfrm rot="21000000">
-            <a:off x="-2286000" y="-1828800"/>
-            <a:ext cx="14630400" cy="9144000"/>
+          <a:xfrm>
+            <a:off x="548640" y="457200"/>
+            <a:ext cx="10972800" cy="822960"/>
           </a:xfrm>
           <a:prstGeom prst="rect">
             <a:avLst/>
           </a:prstGeom>
+          <a:noFill/>
+        </p:spPr>
+        <p:txBody>
+          <a:bodyPr wrap="none">
+            <a:spAutoFit/>
+          </a:bodyPr>
+          <a:lstStyle/>
+          <a:p>
+            <a:pPr>
+              <a:defRPr sz="3600" b="1">
+                <a:solidFill>
+                  <a:srgbClr val="0D2D52"/>
+                </a:solidFill>
+              </a:defRPr>
+            </a:pPr>
+            <a:r>
+              <a:t>Driving Competitive Advantage in a Disrupted Era</a:t>
+            </a:r>
+          </a:p>
+        </p:txBody>
+      </p:sp>
+      <p:sp>
+        <p:nvSpPr>
+          <p:cNvPr id="3" name="SUBTITLE"/>
+          <p:cNvSpPr txBox="1"/>
+          <p:nvPr/>
+        </p:nvSpPr>
+        <p:spPr>
+          <a:xfrm>
+            <a:off x="548640" y="987552"/>
+            <a:ext cx="10972800" cy="548640"/>
+          </a:xfrm>
+          <a:prstGeom prst="rect">
+            <a:avLst/>
+          </a:prstGeom>
+          <a:noFill/>
+        </p:spPr>
+        <p:txBody>
+          <a:bodyPr wrap="none">
+            <a:spAutoFit/>
+          </a:bodyPr>
+          <a:lstStyle/>
+          <a:p>
+            <a:pPr>
+              <a:defRPr sz="1600">
+                <a:solidFill>
+                  <a:srgbClr val="6C757D"/>
+                </a:solidFill>
+              </a:defRPr>
+            </a:pPr>
+            <a:r>
+              <a:t>Insights from 150+ transformation programs across industries and geographies</a:t>
+            </a:r>
+          </a:p>
+        </p:txBody>
+      </p:sp>
+      <p:sp>
+        <p:nvSpPr>
+          <p:cNvPr id="4" name="CARD_NARRATIVE"/>
+          <p:cNvSpPr/>
+          <p:nvPr/>
+        </p:nvSpPr>
+        <p:spPr>
+          <a:xfrm>
+            <a:off x="594360" y="2148840"/>
+            <a:ext cx="5400903" cy="3017520"/>
+          </a:xfrm>
+          <a:prstGeom prst="roundRect">
+            <a:avLst>
+              <a:gd name="adj" fmla="val 15000"/>
+            </a:avLst>
+          </a:prstGeom>
           <a:solidFill>
-            <a:srgbClr val="0D6EFD"/>
+            <a:srgbClr val="FFFFFF"/>
           </a:solidFill>
           <a:ln>
-            <a:noFill/>
+            <a:solidFill>
+              <a:srgbClr val="DEE2E6"/>
+            </a:solidFill>
           </a:ln>
+          <a:effectLst/>
         </p:spPr>
         <p:style>
           <a:lnRef idx="1">
@@ -3151,22 +3203,124 @@
           <a:lstStyle/>
           <a:p>
             <a:pPr algn="ctr"/>
-            <a:endParaRPr/>
-          </a:p>
-        </p:txBody>
-      </p:sp>
-      <p:sp>
-        <p:nvSpPr>
-          <p:cNvPr id="3" name="DECOR_CIRCLE"/>
+          </a:p>
+        </p:txBody>
+      </p:sp>
+      <p:sp>
+        <p:nvSpPr>
+          <p:cNvPr id="5" name="TextBox 4"/>
+          <p:cNvSpPr txBox="1"/>
+          <p:nvPr/>
+        </p:nvSpPr>
+        <p:spPr>
+          <a:xfrm>
+            <a:off x="960120" y="2478024"/>
+            <a:ext cx="4669383" cy="731520"/>
+          </a:xfrm>
+          <a:prstGeom prst="rect">
+            <a:avLst/>
+          </a:prstGeom>
+          <a:noFill/>
+        </p:spPr>
+        <p:txBody>
+          <a:bodyPr wrap="square" anchor="t" lIns="54864" rIns="54864" tIns="36576" bIns="36576">
+            <a:normAutofit/>
+          </a:bodyPr>
+          <a:lstStyle/>
+          <a:p>
+            <a:pPr>
+              <a:defRPr sz="1200">
+                <a:solidFill>
+                  <a:srgbClr val="495057"/>
+                </a:solidFill>
+              </a:defRPr>
+            </a:pPr>
+            <a:r>
+              <a:t>Over the past decade, the competitive and operational environment for industry leaders has shifted dramatically, shaped by rapid technological advancements, evolving customer expectations, and tightening regulatory frameworks. These shifts have created both unprecedented opportunities for growth and significant challenges for sustaining competitive advantage. Our research highlights that outperformers share a set of common practices.</a:t>
+            </a:r>
+          </a:p>
+        </p:txBody>
+      </p:sp>
+      <p:sp>
+        <p:nvSpPr>
+          <p:cNvPr id="6" name="TextBox 5"/>
+          <p:cNvSpPr txBox="1"/>
+          <p:nvPr/>
+        </p:nvSpPr>
+        <p:spPr>
+          <a:xfrm>
+            <a:off x="960120" y="2880360"/>
+            <a:ext cx="4669383" cy="1956816"/>
+          </a:xfrm>
+          <a:prstGeom prst="rect">
+            <a:avLst/>
+          </a:prstGeom>
+          <a:noFill/>
+        </p:spPr>
+        <p:txBody>
+          <a:bodyPr wrap="square" anchor="t" lIns="54864" rIns="54864" tIns="36576" bIns="36576">
+            <a:spAutoFit/>
+          </a:bodyPr>
+          <a:lstStyle/>
+          <a:p>
+            <a:pPr>
+              <a:spcAft>
+                <a:spcPts val="400"/>
+              </a:spcAft>
+              <a:defRPr sz="1200">
+                <a:solidFill>
+                  <a:srgbClr val="495057"/>
+                </a:solidFill>
+              </a:defRPr>
+            </a:pPr>
+            <a:r>
+              <a:t>• Reimagine operating models end-to-end for speed and collaboration.</a:t>
+            </a:r>
+          </a:p>
+          <a:p>
+            <a:pPr>
+              <a:spcAft>
+                <a:spcPts val="400"/>
+              </a:spcAft>
+              <a:defRPr sz="1200">
+                <a:solidFill>
+                  <a:srgbClr val="495057"/>
+                </a:solidFill>
+              </a:defRPr>
+            </a:pPr>
+            <a:r>
+              <a:t>• Integrate digital capabilities at scale across the business.</a:t>
+            </a:r>
+          </a:p>
+          <a:p>
+            <a:pPr>
+              <a:spcAft>
+                <a:spcPts val="400"/>
+              </a:spcAft>
+              <a:defRPr sz="1200">
+                <a:solidFill>
+                  <a:srgbClr val="495057"/>
+                </a:solidFill>
+              </a:defRPr>
+            </a:pPr>
+            <a:r>
+              <a:t>• Adopt a dual transformation agenda balancing quick wins with long-term capability building.</a:t>
+            </a:r>
+          </a:p>
+        </p:txBody>
+      </p:sp>
+      <p:sp>
+        <p:nvSpPr>
+          <p:cNvPr id="7" name="KPI_TILE"/>
           <p:cNvSpPr/>
           <p:nvPr/>
         </p:nvSpPr>
         <p:spPr>
           <a:xfrm>
-            <a:off x="10058400" y="5852160"/>
-            <a:ext cx="2286000" cy="2286000"/>
-          </a:xfrm>
-          <a:prstGeom prst="ellipse">
+            <a:off x="594360" y="5394960"/>
+            <a:ext cx="1678381" cy="1188720"/>
+          </a:xfrm>
+          <a:prstGeom prst="roundRect">
             <a:avLst/>
           </a:prstGeom>
           <a:solidFill>
@@ -3195,20 +3349,19 @@
           <a:lstStyle/>
           <a:p>
             <a:pPr algn="ctr"/>
-            <a:endParaRPr/>
-          </a:p>
-        </p:txBody>
-      </p:sp>
-      <p:sp>
-        <p:nvSpPr>
-          <p:cNvPr id="4" name="TITLE"/>
+          </a:p>
+        </p:txBody>
+      </p:sp>
+      <p:sp>
+        <p:nvSpPr>
+          <p:cNvPr id="8" name="TextBox 7"/>
           <p:cNvSpPr txBox="1"/>
           <p:nvPr/>
         </p:nvSpPr>
         <p:spPr>
           <a:xfrm>
-            <a:off x="548640" y="502920"/>
-            <a:ext cx="10972800" cy="822960"/>
+            <a:off x="704088" y="5504688"/>
+            <a:ext cx="1458925" cy="969264"/>
           </a:xfrm>
           <a:prstGeom prst="rect">
             <a:avLst/>
@@ -3216,82 +3369,55 @@
           <a:noFill/>
         </p:spPr>
         <p:txBody>
-          <a:bodyPr wrap="none">
+          <a:bodyPr wrap="square">
             <a:spAutoFit/>
           </a:bodyPr>
           <a:lstStyle/>
           <a:p>
             <a:pPr>
-              <a:defRPr sz="3800" b="1">
+              <a:defRPr sz="2600" b="1">
                 <a:solidFill>
-                  <a:srgbClr val="0D2D52"/>
+                  <a:srgbClr val="FFFFFF"/>
                 </a:solidFill>
               </a:defRPr>
             </a:pPr>
             <a:r>
-              <a:t>Driving Competitive Advantage in a Disrupted Era</a:t>
-            </a:r>
-          </a:p>
-        </p:txBody>
-      </p:sp>
-      <p:sp>
-        <p:nvSpPr>
-          <p:cNvPr id="5" name="SUBTITLE"/>
-          <p:cNvSpPr txBox="1"/>
-          <p:nvPr/>
-        </p:nvSpPr>
-        <p:spPr>
-          <a:xfrm>
-            <a:off x="548640" y="1078992"/>
-            <a:ext cx="10972800" cy="548640"/>
-          </a:xfrm>
-          <a:prstGeom prst="rect">
-            <a:avLst/>
-          </a:prstGeom>
-          <a:noFill/>
-        </p:spPr>
-        <p:txBody>
-          <a:bodyPr wrap="none">
-            <a:spAutoFit/>
-          </a:bodyPr>
-          <a:lstStyle/>
+              <a:t>2–3x</a:t>
+            </a:r>
+          </a:p>
           <a:p>
             <a:pPr>
-              <a:defRPr sz="1800">
+              <a:defRPr sz="1100">
                 <a:solidFill>
-                  <a:srgbClr val="6C757D"/>
+                  <a:srgbClr val="FFFFFF"/>
                 </a:solidFill>
               </a:defRPr>
             </a:pPr>
             <a:r>
-              <a:t>Insights from 150+ transformation programs across industries and geographies</a:t>
-            </a:r>
-          </a:p>
-        </p:txBody>
-      </p:sp>
-      <p:sp>
-        <p:nvSpPr>
-          <p:cNvPr id="6" name="CARD_NARRATIVE"/>
+              <a:t>EBITDA uplift vs median</a:t>
+            </a:r>
+          </a:p>
+        </p:txBody>
+      </p:sp>
+      <p:sp>
+        <p:nvSpPr>
+          <p:cNvPr id="9" name="KPI_TILE"/>
           <p:cNvSpPr/>
           <p:nvPr/>
         </p:nvSpPr>
         <p:spPr>
           <a:xfrm>
-            <a:off x="594360" y="2148840"/>
-            <a:ext cx="5400903" cy="3017520"/>
+            <a:off x="2455621" y="5394960"/>
+            <a:ext cx="1678381" cy="1188720"/>
           </a:xfrm>
           <a:prstGeom prst="roundRect">
-            <a:avLst>
-              <a:gd name="adj" fmla="val 15000"/>
-            </a:avLst>
+            <a:avLst/>
           </a:prstGeom>
           <a:solidFill>
-            <a:srgbClr val="FFFFFF"/>
+            <a:srgbClr val="6C757D"/>
           </a:solidFill>
           <a:ln>
-            <a:solidFill>
-              <a:srgbClr val="DEE2E6"/>
-            </a:solidFill>
+            <a:noFill/>
           </a:ln>
         </p:spPr>
         <p:style>
@@ -3313,20 +3439,19 @@
           <a:lstStyle/>
           <a:p>
             <a:pPr algn="ctr"/>
-            <a:endParaRPr/>
-          </a:p>
-        </p:txBody>
-      </p:sp>
-      <p:sp>
-        <p:nvSpPr>
-          <p:cNvPr id="7" name="TextBox 6"/>
+          </a:p>
+        </p:txBody>
+      </p:sp>
+      <p:sp>
+        <p:nvSpPr>
+          <p:cNvPr id="10" name="TextBox 9"/>
           <p:cNvSpPr txBox="1"/>
           <p:nvPr/>
         </p:nvSpPr>
         <p:spPr>
           <a:xfrm>
-            <a:off x="886968" y="2441448"/>
-            <a:ext cx="4815687" cy="731520"/>
+            <a:off x="2565349" y="5504688"/>
+            <a:ext cx="1458925" cy="969264"/>
           </a:xfrm>
           <a:prstGeom prst="rect">
             <a:avLst/>
@@ -3340,102 +3465,46 @@
           <a:lstStyle/>
           <a:p>
             <a:pPr>
-              <a:defRPr sz="1600">
+              <a:defRPr sz="2600" b="1">
                 <a:solidFill>
-                  <a:srgbClr val="495057"/>
+                  <a:srgbClr val="FFFFFF"/>
                 </a:solidFill>
               </a:defRPr>
             </a:pPr>
             <a:r>
-              <a:t>Over the past decade, the competitive and operational environment for industry leaders has shifted dramatically, shaped by rapid technological advancements, evolving customer expectations, and tightening regulatory frameworks. These shifts have created both unprecedented opportunities for growth and significant challenges for sustaining competitive advantage. Our research highlights that outperformers share a set of common practices.</a:t>
-            </a:r>
-          </a:p>
-        </p:txBody>
-      </p:sp>
-      <p:sp>
-        <p:nvSpPr>
-          <p:cNvPr id="8" name="TextBox 7"/>
-          <p:cNvSpPr txBox="1"/>
-          <p:nvPr/>
-        </p:nvSpPr>
-        <p:spPr>
-          <a:xfrm>
-            <a:off x="886968" y="2880360"/>
-            <a:ext cx="4815687" cy="1993392"/>
-          </a:xfrm>
-          <a:prstGeom prst="rect">
-            <a:avLst/>
-          </a:prstGeom>
-          <a:noFill/>
-        </p:spPr>
-        <p:txBody>
-          <a:bodyPr wrap="square">
-            <a:spAutoFit/>
-          </a:bodyPr>
-          <a:lstStyle/>
+              <a:t>30–50%</a:t>
+            </a:r>
+          </a:p>
           <a:p>
             <a:pPr>
-              <a:spcAft>
-                <a:spcPts val="600"/>
-              </a:spcAft>
-              <a:defRPr sz="1600">
+              <a:defRPr sz="1100">
                 <a:solidFill>
-                  <a:srgbClr val="495057"/>
+                  <a:srgbClr val="FFFFFF"/>
                 </a:solidFill>
               </a:defRPr>
             </a:pPr>
             <a:r>
-              <a:t>• Reimagine operating models end-to-end for speed and collaboration.</a:t>
-            </a:r>
-          </a:p>
-          <a:p>
-            <a:pPr>
-              <a:spcAft>
-                <a:spcPts val="600"/>
-              </a:spcAft>
-              <a:defRPr sz="1600">
-                <a:solidFill>
-                  <a:srgbClr val="495057"/>
-                </a:solidFill>
-              </a:defRPr>
-            </a:pPr>
-            <a:r>
-              <a:t>• Integrate digital capabilities at scale across the business.</a:t>
-            </a:r>
-          </a:p>
-          <a:p>
-            <a:pPr>
-              <a:spcAft>
-                <a:spcPts val="600"/>
-              </a:spcAft>
-              <a:defRPr sz="1600">
-                <a:solidFill>
-                  <a:srgbClr val="495057"/>
-                </a:solidFill>
-              </a:defRPr>
-            </a:pPr>
-            <a:r>
-              <a:t>• Adopt a dual transformation agenda balancing quick wins with long-term capability building.</a:t>
-            </a:r>
-          </a:p>
-        </p:txBody>
-      </p:sp>
-      <p:sp>
-        <p:nvSpPr>
-          <p:cNvPr id="9" name="KPI_TILE"/>
+              <a:t>Faster time-to-market</a:t>
+            </a:r>
+          </a:p>
+        </p:txBody>
+      </p:sp>
+      <p:sp>
+        <p:nvSpPr>
+          <p:cNvPr id="11" name="KPI_TILE"/>
           <p:cNvSpPr/>
           <p:nvPr/>
         </p:nvSpPr>
         <p:spPr>
           <a:xfrm>
-            <a:off x="594360" y="5394960"/>
+            <a:off x="4316882" y="5394960"/>
             <a:ext cx="1678381" cy="1188720"/>
           </a:xfrm>
           <a:prstGeom prst="roundRect">
             <a:avLst/>
           </a:prstGeom>
           <a:solidFill>
-            <a:srgbClr val="0D6EFD"/>
+            <a:srgbClr val="212529"/>
           </a:solidFill>
           <a:ln>
             <a:noFill/>
@@ -3460,19 +3529,18 @@
           <a:lstStyle/>
           <a:p>
             <a:pPr algn="ctr"/>
-            <a:endParaRPr/>
-          </a:p>
-        </p:txBody>
-      </p:sp>
-      <p:sp>
-        <p:nvSpPr>
-          <p:cNvPr id="10" name="TextBox 9"/>
+          </a:p>
+        </p:txBody>
+      </p:sp>
+      <p:sp>
+        <p:nvSpPr>
+          <p:cNvPr id="12" name="TextBox 11"/>
           <p:cNvSpPr txBox="1"/>
           <p:nvPr/>
         </p:nvSpPr>
         <p:spPr>
           <a:xfrm>
-            <a:off x="704088" y="5504688"/>
+            <a:off x="4426610" y="5504688"/>
             <a:ext cx="1458925" cy="969264"/>
           </a:xfrm>
           <a:prstGeom prst="rect">
@@ -3487,50 +3555,55 @@
           <a:lstStyle/>
           <a:p>
             <a:pPr>
-              <a:defRPr sz="2800" b="1">
+              <a:defRPr sz="2600" b="1">
                 <a:solidFill>
                   <a:srgbClr val="FFFFFF"/>
                 </a:solidFill>
               </a:defRPr>
             </a:pPr>
             <a:r>
-              <a:t>2–3x</a:t>
+              <a:t>↑ Talent</a:t>
             </a:r>
           </a:p>
           <a:p>
             <a:pPr>
-              <a:defRPr sz="1200">
+              <a:defRPr sz="1100">
                 <a:solidFill>
                   <a:srgbClr val="FFFFFF"/>
                 </a:solidFill>
               </a:defRPr>
             </a:pPr>
             <a:r>
-              <a:t>EBITDA uplift vs median</a:t>
-            </a:r>
-          </a:p>
-        </p:txBody>
-      </p:sp>
-      <p:sp>
-        <p:nvSpPr>
-          <p:cNvPr id="11" name="KPI_TILE"/>
+              <a:t>Higher retention rate</a:t>
+            </a:r>
+          </a:p>
+        </p:txBody>
+      </p:sp>
+      <p:sp>
+        <p:nvSpPr>
+          <p:cNvPr id="13" name="CARD_STEPS"/>
           <p:cNvSpPr/>
           <p:nvPr/>
         </p:nvSpPr>
         <p:spPr>
           <a:xfrm>
-            <a:off x="2455621" y="5394960"/>
-            <a:ext cx="1678381" cy="1188720"/>
+            <a:off x="6196431" y="2148840"/>
+            <a:ext cx="5400903" cy="1523390"/>
           </a:xfrm>
           <a:prstGeom prst="roundRect">
-            <a:avLst/>
+            <a:avLst>
+              <a:gd name="adj" fmla="val 15000"/>
+            </a:avLst>
           </a:prstGeom>
           <a:solidFill>
-            <a:srgbClr val="6C757D"/>
+            <a:srgbClr val="FFFFFF"/>
           </a:solidFill>
           <a:ln>
-            <a:noFill/>
+            <a:solidFill>
+              <a:srgbClr val="DEE2E6"/>
+            </a:solidFill>
           </a:ln>
+          <a:effectLst/>
         </p:spPr>
         <p:style>
           <a:lnRef idx="1">
@@ -3551,20 +3624,19 @@
           <a:lstStyle/>
           <a:p>
             <a:pPr algn="ctr"/>
-            <a:endParaRPr/>
-          </a:p>
-        </p:txBody>
-      </p:sp>
-      <p:sp>
-        <p:nvSpPr>
-          <p:cNvPr id="12" name="TextBox 11"/>
+          </a:p>
+        </p:txBody>
+      </p:sp>
+      <p:sp>
+        <p:nvSpPr>
+          <p:cNvPr id="15" name="TextBox 14"/>
           <p:cNvSpPr txBox="1"/>
           <p:nvPr/>
         </p:nvSpPr>
         <p:spPr>
           <a:xfrm>
-            <a:off x="2565349" y="5504688"/>
-            <a:ext cx="1458925" cy="969264"/>
+            <a:off x="6379311" y="2221992"/>
+            <a:ext cx="5035143" cy="310896"/>
           </a:xfrm>
           <a:prstGeom prst="rect">
             <a:avLst/>
@@ -3572,55 +3644,115 @@
           <a:noFill/>
         </p:spPr>
         <p:txBody>
-          <a:bodyPr wrap="square">
+          <a:bodyPr wrap="none">
             <a:spAutoFit/>
           </a:bodyPr>
           <a:lstStyle/>
           <a:p>
             <a:pPr>
-              <a:defRPr sz="2800" b="1">
+              <a:defRPr b="1" sz="1400">
                 <a:solidFill>
                   <a:srgbClr val="FFFFFF"/>
                 </a:solidFill>
               </a:defRPr>
             </a:pPr>
             <a:r>
-              <a:t>30–50%</a:t>
-            </a:r>
-          </a:p>
+              <a:t>Three Critical Enablers</a:t>
+            </a:r>
+          </a:p>
+        </p:txBody>
+      </p:sp>
+      <p:sp>
+        <p:nvSpPr>
+          <p:cNvPr id="16" name="TextBox 15"/>
+          <p:cNvSpPr txBox="1"/>
+          <p:nvPr/>
+        </p:nvSpPr>
+        <p:spPr>
+          <a:xfrm>
+            <a:off x="6470751" y="2788920"/>
+            <a:ext cx="4852263" cy="700430"/>
+          </a:xfrm>
+          <a:prstGeom prst="rect">
+            <a:avLst/>
+          </a:prstGeom>
+          <a:noFill/>
+        </p:spPr>
+        <p:txBody>
+          <a:bodyPr wrap="square" anchor="t" lIns="54864" rIns="54864" tIns="36576" bIns="36576">
+            <a:spAutoFit/>
+          </a:bodyPr>
+          <a:lstStyle/>
           <a:p>
             <a:pPr>
+              <a:spcAft>
+                <a:spcPts val="400"/>
+              </a:spcAft>
               <a:defRPr sz="1200">
                 <a:solidFill>
-                  <a:srgbClr val="FFFFFF"/>
+                  <a:srgbClr val="495057"/>
                 </a:solidFill>
               </a:defRPr>
             </a:pPr>
             <a:r>
-              <a:t>Faster time-to-market</a:t>
-            </a:r>
-          </a:p>
-        </p:txBody>
-      </p:sp>
-      <p:sp>
-        <p:nvSpPr>
-          <p:cNvPr id="13" name="KPI_TILE"/>
+              <a:t>1. Strategic clarity – Rigorous market understanding and clear priorities.</a:t>
+            </a:r>
+          </a:p>
+          <a:p>
+            <a:pPr>
+              <a:spcAft>
+                <a:spcPts val="400"/>
+              </a:spcAft>
+              <a:defRPr sz="1200">
+                <a:solidFill>
+                  <a:srgbClr val="495057"/>
+                </a:solidFill>
+              </a:defRPr>
+            </a:pPr>
+            <a:r>
+              <a:t>2. Sequenced implementation – Phased initiatives delivering early impact.</a:t>
+            </a:r>
+          </a:p>
+          <a:p>
+            <a:pPr>
+              <a:spcAft>
+                <a:spcPts val="400"/>
+              </a:spcAft>
+              <a:defRPr sz="1200">
+                <a:solidFill>
+                  <a:srgbClr val="495057"/>
+                </a:solidFill>
+              </a:defRPr>
+            </a:pPr>
+            <a:r>
+              <a:t>3. Cultural alignment – Foster change, learning, and aligned incentives.</a:t>
+            </a:r>
+          </a:p>
+        </p:txBody>
+      </p:sp>
+      <p:sp>
+        <p:nvSpPr>
+          <p:cNvPr id="17" name="CARD_ICONS"/>
           <p:cNvSpPr/>
           <p:nvPr/>
         </p:nvSpPr>
         <p:spPr>
           <a:xfrm>
-            <a:off x="4316882" y="5394960"/>
-            <a:ext cx="1678381" cy="1188720"/>
+            <a:off x="6196431" y="3891686"/>
+            <a:ext cx="1653997" cy="1143000"/>
           </a:xfrm>
           <a:prstGeom prst="roundRect">
-            <a:avLst/>
+            <a:avLst>
+              <a:gd name="adj" fmla="val 15000"/>
+            </a:avLst>
           </a:prstGeom>
           <a:solidFill>
-            <a:srgbClr val="212529"/>
+            <a:srgbClr val="FFFFFF"/>
           </a:solidFill>
           <a:ln>
-            <a:noFill/>
+            <a:solidFill>
+              <a:srgbClr val="DEE2E6"/>
+            </a:solidFill>
           </a:ln>
         </p:spPr>
         <p:style>
@@ -3642,20 +3774,19 @@
           <a:lstStyle/>
           <a:p>
             <a:pPr algn="ctr"/>
-            <a:endParaRPr/>
-          </a:p>
-        </p:txBody>
-      </p:sp>
-      <p:sp>
-        <p:nvSpPr>
-          <p:cNvPr id="14" name="TextBox 13"/>
+          </a:p>
+        </p:txBody>
+      </p:sp>
+      <p:sp>
+        <p:nvSpPr>
+          <p:cNvPr id="18" name="TextBox 17"/>
           <p:cNvSpPr txBox="1"/>
           <p:nvPr/>
         </p:nvSpPr>
         <p:spPr>
           <a:xfrm>
-            <a:off x="4426610" y="5504688"/>
-            <a:ext cx="1458925" cy="969264"/>
+            <a:off x="6379311" y="4623206"/>
+            <a:ext cx="1288237" cy="548640"/>
           </a:xfrm>
           <a:prstGeom prst="rect">
             <a:avLst/>
@@ -3663,46 +3794,34 @@
           <a:noFill/>
         </p:spPr>
         <p:txBody>
-          <a:bodyPr wrap="square">
-            <a:spAutoFit/>
+          <a:bodyPr wrap="square" anchor="t" lIns="54864" rIns="54864" tIns="36576" bIns="36576">
+            <a:normAutofit/>
           </a:bodyPr>
           <a:lstStyle/>
           <a:p>
             <a:pPr>
-              <a:defRPr sz="2800" b="1">
+              <a:defRPr sz="1100">
                 <a:solidFill>
-                  <a:srgbClr val="FFFFFF"/>
+                  <a:srgbClr val="495057"/>
                 </a:solidFill>
               </a:defRPr>
             </a:pPr>
             <a:r>
-              <a:t>↑ Talent</a:t>
-            </a:r>
-          </a:p>
-          <a:p>
-            <a:pPr>
-              <a:defRPr sz="1200">
-                <a:solidFill>
-                  <a:srgbClr val="FFFFFF"/>
-                </a:solidFill>
-              </a:defRPr>
-            </a:pPr>
-            <a:r>
-              <a:t>Higher retention rate</a:t>
-            </a:r>
-          </a:p>
-        </p:txBody>
-      </p:sp>
-      <p:sp>
-        <p:nvSpPr>
-          <p:cNvPr id="15" name="CARD_STEPS"/>
+              <a:t>Workflow Redesign</a:t>
+            </a:r>
+          </a:p>
+        </p:txBody>
+      </p:sp>
+      <p:sp>
+        <p:nvSpPr>
+          <p:cNvPr id="19" name="CARD_ICONS"/>
           <p:cNvSpPr/>
           <p:nvPr/>
         </p:nvSpPr>
         <p:spPr>
           <a:xfrm>
-            <a:off x="6196431" y="2148840"/>
-            <a:ext cx="5400903" cy="1971446"/>
+            <a:off x="8069884" y="3891686"/>
+            <a:ext cx="1653997" cy="1143000"/>
           </a:xfrm>
           <a:prstGeom prst="roundRect">
             <a:avLst>
@@ -3737,20 +3856,19 @@
           <a:lstStyle/>
           <a:p>
             <a:pPr algn="ctr"/>
-            <a:endParaRPr/>
-          </a:p>
-        </p:txBody>
-      </p:sp>
-      <p:sp>
-        <p:nvSpPr>
-          <p:cNvPr id="17" name="TextBox 16"/>
+          </a:p>
+        </p:txBody>
+      </p:sp>
+      <p:sp>
+        <p:nvSpPr>
+          <p:cNvPr id="20" name="TextBox 19"/>
           <p:cNvSpPr txBox="1"/>
           <p:nvPr/>
         </p:nvSpPr>
         <p:spPr>
           <a:xfrm>
-            <a:off x="6379311" y="2221992"/>
-            <a:ext cx="5035143" cy="310896"/>
+            <a:off x="8252764" y="4623206"/>
+            <a:ext cx="1288237" cy="548640"/>
           </a:xfrm>
           <a:prstGeom prst="rect">
             <a:avLst/>
@@ -3758,102 +3876,34 @@
           <a:noFill/>
         </p:spPr>
         <p:txBody>
-          <a:bodyPr wrap="none">
-            <a:spAutoFit/>
+          <a:bodyPr wrap="square" anchor="t" lIns="54864" rIns="54864" tIns="36576" bIns="36576">
+            <a:normAutofit/>
           </a:bodyPr>
           <a:lstStyle/>
           <a:p>
             <a:pPr>
-              <a:defRPr sz="1400" b="1">
-                <a:solidFill>
-                  <a:srgbClr val="FFFFFF"/>
-                </a:solidFill>
-              </a:defRPr>
-            </a:pPr>
-            <a:r>
-              <a:t>Three Critical Enablers</a:t>
-            </a:r>
-          </a:p>
-        </p:txBody>
-      </p:sp>
-      <p:sp>
-        <p:nvSpPr>
-          <p:cNvPr id="18" name="TextBox 17"/>
-          <p:cNvSpPr txBox="1"/>
-          <p:nvPr/>
-        </p:nvSpPr>
-        <p:spPr>
-          <a:xfrm>
-            <a:off x="6470751" y="2788920"/>
-            <a:ext cx="4852263" cy="1148486"/>
-          </a:xfrm>
-          <a:prstGeom prst="rect">
-            <a:avLst/>
-          </a:prstGeom>
-          <a:noFill/>
-        </p:spPr>
-        <p:txBody>
-          <a:bodyPr wrap="square">
-            <a:spAutoFit/>
-          </a:bodyPr>
-          <a:lstStyle/>
-          <a:p>
-            <a:pPr>
-              <a:spcAft>
-                <a:spcPts val="600"/>
-              </a:spcAft>
-              <a:defRPr sz="1600">
+              <a:defRPr sz="1100">
                 <a:solidFill>
                   <a:srgbClr val="495057"/>
                 </a:solidFill>
               </a:defRPr>
             </a:pPr>
             <a:r>
-              <a:t>1. Strategic clarity – Rigorous market understanding and clear priorities.</a:t>
-            </a:r>
-          </a:p>
-          <a:p>
-            <a:pPr>
-              <a:spcAft>
-                <a:spcPts val="600"/>
-              </a:spcAft>
-              <a:defRPr sz="1600">
-                <a:solidFill>
-                  <a:srgbClr val="495057"/>
-                </a:solidFill>
-              </a:defRPr>
-            </a:pPr>
-            <a:r>
-              <a:t>2. Sequenced implementation – Phased initiatives delivering early impact.</a:t>
-            </a:r>
-          </a:p>
-          <a:p>
-            <a:pPr>
-              <a:spcAft>
-                <a:spcPts val="600"/>
-              </a:spcAft>
-              <a:defRPr sz="1600">
-                <a:solidFill>
-                  <a:srgbClr val="495057"/>
-                </a:solidFill>
-              </a:defRPr>
-            </a:pPr>
-            <a:r>
-              <a:t>3. Cultural alignment – Foster change, learning, and aligned incentives.</a:t>
-            </a:r>
-          </a:p>
-        </p:txBody>
-      </p:sp>
-      <p:sp>
-        <p:nvSpPr>
-          <p:cNvPr id="19" name="CARD_ICONS"/>
+              <a:t>AI Integration</a:t>
+            </a:r>
+          </a:p>
+        </p:txBody>
+      </p:sp>
+      <p:sp>
+        <p:nvSpPr>
+          <p:cNvPr id="21" name="CARD_ICONS"/>
           <p:cNvSpPr/>
           <p:nvPr/>
         </p:nvSpPr>
         <p:spPr>
           <a:xfrm>
-            <a:off x="6196431" y="4321454"/>
-            <a:ext cx="1678381" cy="1417320"/>
+            <a:off x="9943338" y="3891686"/>
+            <a:ext cx="1653997" cy="1143000"/>
           </a:xfrm>
           <a:prstGeom prst="roundRect">
             <a:avLst>
@@ -3888,20 +3938,19 @@
           <a:lstStyle/>
           <a:p>
             <a:pPr algn="ctr"/>
-            <a:endParaRPr/>
-          </a:p>
-        </p:txBody>
-      </p:sp>
-      <p:sp>
-        <p:nvSpPr>
-          <p:cNvPr id="20" name="TextBox 19"/>
+          </a:p>
+        </p:txBody>
+      </p:sp>
+      <p:sp>
+        <p:nvSpPr>
+          <p:cNvPr id="22" name="TextBox 21"/>
           <p:cNvSpPr txBox="1"/>
           <p:nvPr/>
         </p:nvSpPr>
         <p:spPr>
           <a:xfrm>
-            <a:off x="6379311" y="5052974"/>
-            <a:ext cx="1312621" cy="548640"/>
+            <a:off x="10126218" y="4623206"/>
+            <a:ext cx="1288237" cy="548640"/>
           </a:xfrm>
           <a:prstGeom prst="rect">
             <a:avLst/>
@@ -3909,34 +3958,34 @@
           <a:noFill/>
         </p:spPr>
         <p:txBody>
-          <a:bodyPr wrap="square">
-            <a:spAutoFit/>
+          <a:bodyPr wrap="square" anchor="t" lIns="54864" rIns="54864" tIns="36576" bIns="36576">
+            <a:normAutofit/>
           </a:bodyPr>
           <a:lstStyle/>
           <a:p>
             <a:pPr>
-              <a:defRPr sz="1200">
+              <a:defRPr sz="1100">
                 <a:solidFill>
                   <a:srgbClr val="495057"/>
                 </a:solidFill>
               </a:defRPr>
             </a:pPr>
             <a:r>
-              <a:t>Workflow Redesign</a:t>
-            </a:r>
-          </a:p>
-        </p:txBody>
-      </p:sp>
-      <p:sp>
-        <p:nvSpPr>
-          <p:cNvPr id="21" name="CARD_ICONS"/>
+              <a:t>Market Leadership</a:t>
+            </a:r>
+          </a:p>
+        </p:txBody>
+      </p:sp>
+      <p:sp>
+        <p:nvSpPr>
+          <p:cNvPr id="23" name="CARD_OUTLOOK"/>
           <p:cNvSpPr/>
           <p:nvPr/>
         </p:nvSpPr>
         <p:spPr>
           <a:xfrm>
-            <a:off x="8057692" y="4321454"/>
-            <a:ext cx="1678381" cy="1417320"/>
+            <a:off x="6196431" y="5272430"/>
+            <a:ext cx="5400903" cy="1417320"/>
           </a:xfrm>
           <a:prstGeom prst="roundRect">
             <a:avLst>
@@ -3951,6 +4000,7 @@
               <a:srgbClr val="DEE2E6"/>
             </a:solidFill>
           </a:ln>
+          <a:effectLst/>
         </p:spPr>
         <p:style>
           <a:lnRef idx="1">
@@ -3971,20 +4021,19 @@
           <a:lstStyle/>
           <a:p>
             <a:pPr algn="ctr"/>
-            <a:endParaRPr/>
-          </a:p>
-        </p:txBody>
-      </p:sp>
-      <p:sp>
-        <p:nvSpPr>
-          <p:cNvPr id="22" name="TextBox 21"/>
+          </a:p>
+        </p:txBody>
+      </p:sp>
+      <p:sp>
+        <p:nvSpPr>
+          <p:cNvPr id="24" name="TextBox 23"/>
           <p:cNvSpPr txBox="1"/>
           <p:nvPr/>
         </p:nvSpPr>
         <p:spPr>
           <a:xfrm>
-            <a:off x="8240572" y="5052974"/>
-            <a:ext cx="1312621" cy="548640"/>
+            <a:off x="6525615" y="5583326"/>
+            <a:ext cx="4742535" cy="795528"/>
           </a:xfrm>
           <a:prstGeom prst="rect">
             <a:avLst/>
@@ -3992,8 +4041,8 @@
           <a:noFill/>
         </p:spPr>
         <p:txBody>
-          <a:bodyPr wrap="square">
-            <a:spAutoFit/>
+          <a:bodyPr wrap="square" anchor="t" lIns="54864" rIns="54864" tIns="36576" bIns="36576">
+            <a:normAutofit/>
           </a:bodyPr>
           <a:lstStyle/>
           <a:p>
@@ -4005,29 +4054,27 @@
               </a:defRPr>
             </a:pPr>
             <a:r>
-              <a:t>AI Integration</a:t>
-            </a:r>
-          </a:p>
-        </p:txBody>
-      </p:sp>
-      <p:sp>
-        <p:nvSpPr>
-          <p:cNvPr id="23" name="CARD_ICONS"/>
+              <a:t>Looking ahead, transformation must be a continuous capability, embedding feedback loops of measurement, learning, and adaptation. Companies that do so will evolve in sync with external changes and position themselves as market shapers over the next five to ten years.</a:t>
+            </a:r>
+          </a:p>
+        </p:txBody>
+      </p:sp>
+      <p:sp>
+        <p:nvSpPr>
+          <p:cNvPr id="25" name="FOOTER_BAR"/>
           <p:cNvSpPr/>
           <p:nvPr/>
         </p:nvSpPr>
         <p:spPr>
           <a:xfrm>
-            <a:off x="9918954" y="4321454"/>
-            <a:ext cx="1678381" cy="1417320"/>
-          </a:xfrm>
-          <a:prstGeom prst="roundRect">
-            <a:avLst>
-              <a:gd name="adj" fmla="val 15000"/>
-            </a:avLst>
+            <a:off x="548640" y="6153912"/>
+            <a:ext cx="11094415" cy="384048"/>
+          </a:xfrm>
+          <a:prstGeom prst="rect">
+            <a:avLst/>
           </a:prstGeom>
           <a:solidFill>
-            <a:srgbClr val="FFFFFF"/>
+            <a:srgbClr val="F1F3F5"/>
           </a:solidFill>
           <a:ln>
             <a:solidFill>
@@ -4054,177 +4101,12 @@
           <a:lstStyle/>
           <a:p>
             <a:pPr algn="ctr"/>
-            <a:endParaRPr/>
-          </a:p>
-        </p:txBody>
-      </p:sp>
-      <p:sp>
-        <p:nvSpPr>
-          <p:cNvPr id="24" name="TextBox 23"/>
-          <p:cNvSpPr txBox="1"/>
-          <p:nvPr/>
-        </p:nvSpPr>
-        <p:spPr>
-          <a:xfrm>
-            <a:off x="10101834" y="5052974"/>
-            <a:ext cx="1312621" cy="548640"/>
-          </a:xfrm>
-          <a:prstGeom prst="rect">
-            <a:avLst/>
-          </a:prstGeom>
-          <a:noFill/>
-        </p:spPr>
-        <p:txBody>
-          <a:bodyPr wrap="square">
-            <a:spAutoFit/>
-          </a:bodyPr>
-          <a:lstStyle/>
-          <a:p>
-            <a:pPr>
-              <a:defRPr sz="1200">
-                <a:solidFill>
-                  <a:srgbClr val="495057"/>
-                </a:solidFill>
-              </a:defRPr>
-            </a:pPr>
-            <a:r>
-              <a:t>Market Leadership</a:t>
-            </a:r>
-          </a:p>
-        </p:txBody>
-      </p:sp>
-      <p:sp>
-        <p:nvSpPr>
-          <p:cNvPr id="25" name="CARD_OUTLOOK"/>
-          <p:cNvSpPr/>
-          <p:nvPr/>
-        </p:nvSpPr>
-        <p:spPr>
-          <a:xfrm>
-            <a:off x="6196431" y="5939942"/>
-            <a:ext cx="5400903" cy="1097280"/>
-          </a:xfrm>
-          <a:prstGeom prst="roundRect">
-            <a:avLst>
-              <a:gd name="adj" fmla="val 15000"/>
-            </a:avLst>
-          </a:prstGeom>
-          <a:solidFill>
-            <a:srgbClr val="FFFFFF"/>
-          </a:solidFill>
-          <a:ln>
-            <a:solidFill>
-              <a:srgbClr val="DEE2E6"/>
-            </a:solidFill>
-          </a:ln>
-        </p:spPr>
-        <p:style>
-          <a:lnRef idx="1">
-            <a:schemeClr val="accent1"/>
-          </a:lnRef>
-          <a:fillRef idx="3">
-            <a:schemeClr val="accent1"/>
-          </a:fillRef>
-          <a:effectRef idx="2">
-            <a:schemeClr val="accent1"/>
-          </a:effectRef>
-          <a:fontRef idx="minor">
-            <a:schemeClr val="lt1"/>
-          </a:fontRef>
-        </p:style>
-        <p:txBody>
-          <a:bodyPr rtlCol="0" anchor="ctr"/>
-          <a:lstStyle/>
-          <a:p>
-            <a:pPr algn="ctr"/>
-            <a:endParaRPr/>
           </a:p>
         </p:txBody>
       </p:sp>
       <p:sp>
         <p:nvSpPr>
           <p:cNvPr id="26" name="TextBox 25"/>
-          <p:cNvSpPr txBox="1"/>
-          <p:nvPr/>
-        </p:nvSpPr>
-        <p:spPr>
-          <a:xfrm>
-            <a:off x="6489039" y="6232550"/>
-            <a:ext cx="4815687" cy="512063"/>
-          </a:xfrm>
-          <a:prstGeom prst="rect">
-            <a:avLst/>
-          </a:prstGeom>
-          <a:noFill/>
-        </p:spPr>
-        <p:txBody>
-          <a:bodyPr wrap="square">
-            <a:spAutoFit/>
-          </a:bodyPr>
-          <a:lstStyle/>
-          <a:p>
-            <a:pPr>
-              <a:defRPr sz="1600">
-                <a:solidFill>
-                  <a:srgbClr val="495057"/>
-                </a:solidFill>
-              </a:defRPr>
-            </a:pPr>
-            <a:r>
-              <a:t>Looking ahead, transformation must be a continuous capability, embedding feedback loops of measurement, learning, and adaptation. Companies that do so will evolve in sync with external changes and position themselves as market shapers over the next five to ten years.</a:t>
-            </a:r>
-          </a:p>
-        </p:txBody>
-      </p:sp>
-      <p:sp>
-        <p:nvSpPr>
-          <p:cNvPr id="27" name="FOOTER_BAR"/>
-          <p:cNvSpPr/>
-          <p:nvPr/>
-        </p:nvSpPr>
-        <p:spPr>
-          <a:xfrm>
-            <a:off x="548640" y="6153912"/>
-            <a:ext cx="11094415" cy="384048"/>
-          </a:xfrm>
-          <a:prstGeom prst="rect">
-            <a:avLst/>
-          </a:prstGeom>
-          <a:solidFill>
-            <a:srgbClr val="F1F3F5"/>
-          </a:solidFill>
-          <a:ln>
-            <a:solidFill>
-              <a:srgbClr val="DEE2E6"/>
-            </a:solidFill>
-          </a:ln>
-        </p:spPr>
-        <p:style>
-          <a:lnRef idx="1">
-            <a:schemeClr val="accent1"/>
-          </a:lnRef>
-          <a:fillRef idx="3">
-            <a:schemeClr val="accent1"/>
-          </a:fillRef>
-          <a:effectRef idx="2">
-            <a:schemeClr val="accent1"/>
-          </a:effectRef>
-          <a:fontRef idx="minor">
-            <a:schemeClr val="lt1"/>
-          </a:fontRef>
-        </p:style>
-        <p:txBody>
-          <a:bodyPr rtlCol="0" anchor="ctr"/>
-          <a:lstStyle/>
-          <a:p>
-            <a:pPr algn="ctr"/>
-            <a:endParaRPr/>
-          </a:p>
-        </p:txBody>
-      </p:sp>
-      <p:sp>
-        <p:nvSpPr>
-          <p:cNvPr id="28" name="TextBox 27"/>
           <p:cNvSpPr txBox="1"/>
           <p:nvPr/>
         </p:nvSpPr>
@@ -4259,7 +4141,7 @@
       </p:sp>
       <p:sp>
         <p:nvSpPr>
-          <p:cNvPr id="29" name="TextBox 28"/>
+          <p:cNvPr id="27" name="TextBox 26"/>
           <p:cNvSpPr txBox="1"/>
           <p:nvPr/>
         </p:nvSpPr>
